--- a/통공실/1475043_이효림_FSK_Pre.pptx
+++ b/통공실/1475043_이효림_FSK_Pre.pptx
@@ -5,19 +5,20 @@
     <p:sldMasterId id="2147483705" r:id="rId1"/>
   </p:sldMasterIdLst>
   <p:notesMasterIdLst>
-    <p:notesMasterId r:id="rId4"/>
+    <p:notesMasterId r:id="rId5"/>
   </p:notesMasterIdLst>
   <p:handoutMasterIdLst>
-    <p:handoutMasterId r:id="rId5"/>
+    <p:handoutMasterId r:id="rId6"/>
   </p:handoutMasterIdLst>
   <p:sldIdLst>
     <p:sldId id="317" r:id="rId2"/>
     <p:sldId id="322" r:id="rId3"/>
+    <p:sldId id="323" r:id="rId4"/>
   </p:sldIdLst>
   <p:sldSz cx="9144000" cy="6858000" type="screen4x3"/>
   <p:notesSz cx="7315200" cy="9601200"/>
   <p:custDataLst>
-    <p:tags r:id="rId6"/>
+    <p:tags r:id="rId7"/>
   </p:custDataLst>
   <p:defaultTextStyle>
     <a:defPPr>
@@ -161,6 +162,10 @@
     </p:ext>
   </p:extLst>
 </p:presentation>
+</file>
+
+<file path=ppt/revisionInfo.xml><?xml version="1.0" encoding="utf-8"?>
+<p1510:revInfo xmlns:a="http://schemas.openxmlformats.org/drawingml/2006/main" xmlns:r="http://schemas.openxmlformats.org/officeDocument/2006/relationships" xmlns:p1510="http://schemas.microsoft.com/office/powerpoint/2015/10/main"/>
 </file>
 
 <file path=ppt/handoutMasters/handoutMaster1.xml><?xml version="1.0" encoding="utf-8"?>
@@ -560,7 +565,7 @@
           </a:ln>
           <a:extLst>
             <a:ext uri="{909E8E84-426E-40dd-AFC4-6F175D3DCCD1}">
-              <a14:hiddenFill xmlns="" xmlns:a14="http://schemas.microsoft.com/office/drawing/2010/main">
+              <a14:hiddenFill xmlns:a14="http://schemas.microsoft.com/office/drawing/2010/main" xmlns="">
                 <a:solidFill>
                   <a:srgbClr val="FFFFFF"/>
                 </a:solidFill>
@@ -1162,14 +1167,14 @@
           </a:ln>
           <a:extLst>
             <a:ext uri="{909E8E84-426E-40dd-AFC4-6F175D3DCCD1}">
-              <a14:hiddenFill xmlns="" xmlns:a14="http://schemas.microsoft.com/office/drawing/2010/main">
+              <a14:hiddenFill xmlns:a14="http://schemas.microsoft.com/office/drawing/2010/main" xmlns="">
                 <a:solidFill>
                   <a:srgbClr val="FFFFFF"/>
                 </a:solidFill>
               </a14:hiddenFill>
             </a:ext>
             <a:ext uri="{91240B29-F687-4f45-9708-019B960494DF}">
-              <a14:hiddenLine xmlns="" xmlns:a14="http://schemas.microsoft.com/office/drawing/2010/main" w="9525">
+              <a14:hiddenLine xmlns:a14="http://schemas.microsoft.com/office/drawing/2010/main" xmlns="" w="9525">
                 <a:solidFill>
                   <a:srgbClr val="000000"/>
                 </a:solidFill>
@@ -1224,14 +1229,14 @@
           </a:ln>
           <a:extLst>
             <a:ext uri="{909E8E84-426E-40dd-AFC4-6F175D3DCCD1}">
-              <a14:hiddenFill xmlns="" xmlns:a14="http://schemas.microsoft.com/office/drawing/2010/main">
+              <a14:hiddenFill xmlns:a14="http://schemas.microsoft.com/office/drawing/2010/main" xmlns="">
                 <a:solidFill>
                   <a:srgbClr val="FFFFFF"/>
                 </a:solidFill>
               </a14:hiddenFill>
             </a:ext>
             <a:ext uri="{91240B29-F687-4f45-9708-019B960494DF}">
-              <a14:hiddenLine xmlns="" xmlns:a14="http://schemas.microsoft.com/office/drawing/2010/main" w="9525">
+              <a14:hiddenLine xmlns:a14="http://schemas.microsoft.com/office/drawing/2010/main" xmlns="" w="9525">
                 <a:solidFill>
                   <a:srgbClr val="000000"/>
                 </a:solidFill>
@@ -1405,14 +1410,14 @@
           </a:effectLst>
           <a:extLst>
             <a:ext uri="{909E8E84-426E-40dd-AFC4-6F175D3DCCD1}">
-              <a14:hiddenFill xmlns="" xmlns:a14="http://schemas.microsoft.com/office/drawing/2010/main">
+              <a14:hiddenFill xmlns:a14="http://schemas.microsoft.com/office/drawing/2010/main" xmlns="">
                 <a:solidFill>
                   <a:schemeClr val="accent1"/>
                 </a:solidFill>
               </a14:hiddenFill>
             </a:ext>
             <a:ext uri="{91240B29-F687-4f45-9708-019B960494DF}">
-              <a14:hiddenLine xmlns="" xmlns:a14="http://schemas.microsoft.com/office/drawing/2010/main" w="9525">
+              <a14:hiddenLine xmlns:a14="http://schemas.microsoft.com/office/drawing/2010/main" xmlns="" w="9525">
                 <a:solidFill>
                   <a:schemeClr val="tx1"/>
                 </a:solidFill>
@@ -1448,14 +1453,14 @@
           </a:ln>
           <a:extLst>
             <a:ext uri="{909E8E84-426E-40dd-AFC4-6F175D3DCCD1}">
-              <a14:hiddenFill xmlns="" xmlns:a14="http://schemas.microsoft.com/office/drawing/2010/main">
+              <a14:hiddenFill xmlns:a14="http://schemas.microsoft.com/office/drawing/2010/main" xmlns="">
                 <a:solidFill>
                   <a:srgbClr val="FFFFFF"/>
                 </a:solidFill>
               </a14:hiddenFill>
             </a:ext>
             <a:ext uri="{91240B29-F687-4f45-9708-019B960494DF}">
-              <a14:hiddenLine xmlns="" xmlns:a14="http://schemas.microsoft.com/office/drawing/2010/main" w="9525">
+              <a14:hiddenLine xmlns:a14="http://schemas.microsoft.com/office/drawing/2010/main" xmlns="" w="9525">
                 <a:solidFill>
                   <a:srgbClr val="000000"/>
                 </a:solidFill>
@@ -1506,14 +1511,14 @@
           </a:ln>
           <a:extLst>
             <a:ext uri="{909E8E84-426E-40dd-AFC4-6F175D3DCCD1}">
-              <a14:hiddenFill xmlns="" xmlns:a14="http://schemas.microsoft.com/office/drawing/2010/main">
+              <a14:hiddenFill xmlns:a14="http://schemas.microsoft.com/office/drawing/2010/main" xmlns="">
                 <a:solidFill>
                   <a:srgbClr val="FFFFFF"/>
                 </a:solidFill>
               </a14:hiddenFill>
             </a:ext>
             <a:ext uri="{91240B29-F687-4f45-9708-019B960494DF}">
-              <a14:hiddenLine xmlns="" xmlns:a14="http://schemas.microsoft.com/office/drawing/2010/main" w="9525">
+              <a14:hiddenLine xmlns:a14="http://schemas.microsoft.com/office/drawing/2010/main" xmlns="" w="9525">
                 <a:solidFill>
                   <a:srgbClr val="000000"/>
                 </a:solidFill>
@@ -1593,14 +1598,14 @@
           <a:effectLst/>
           <a:extLst>
             <a:ext uri="{909E8E84-426E-40dd-AFC4-6F175D3DCCD1}">
-              <a14:hiddenFill xmlns="" xmlns:a14="http://schemas.microsoft.com/office/drawing/2010/main">
+              <a14:hiddenFill xmlns:a14="http://schemas.microsoft.com/office/drawing/2010/main" xmlns="">
                 <a:solidFill>
                   <a:schemeClr val="accent1"/>
                 </a:solidFill>
               </a14:hiddenFill>
             </a:ext>
             <a:ext uri="{91240B29-F687-4f45-9708-019B960494DF}">
-              <a14:hiddenLine xmlns="" xmlns:a14="http://schemas.microsoft.com/office/drawing/2010/main" w="9525">
+              <a14:hiddenLine xmlns:a14="http://schemas.microsoft.com/office/drawing/2010/main" xmlns="" w="9525">
                 <a:solidFill>
                   <a:schemeClr val="tx1"/>
                 </a:solidFill>
@@ -1610,7 +1615,7 @@
               </a14:hiddenLine>
             </a:ext>
             <a:ext uri="{AF507438-7753-43e0-B8FC-AC1667EBCBE1}">
-              <a14:hiddenEffects xmlns="" xmlns:a14="http://schemas.microsoft.com/office/drawing/2010/main">
+              <a14:hiddenEffects xmlns:a14="http://schemas.microsoft.com/office/drawing/2010/main" xmlns="">
                 <a:effectLst>
                   <a:outerShdw dist="35921" dir="2700000" algn="ctr" rotWithShape="0">
                     <a:schemeClr val="bg2"/>
@@ -2552,7 +2557,782 @@
           <a:bodyPr/>
           <a:lstStyle/>
           <a:p>
-            <a:endParaRPr lang="ko-KR" altLang="en-US"/>
+            <a:r>
+              <a:rPr lang="en-US" altLang="ko-KR" dirty="0"/>
+              <a:t>1.</a:t>
+            </a:r>
+            <a:endParaRPr lang="ko-KR" altLang="en-US" dirty="0"/>
+          </a:p>
+        </p:txBody>
+      </p:sp>
+      <p:grpSp>
+        <p:nvGrpSpPr>
+          <p:cNvPr id="29" name="그룹 28">
+            <a:extLst>
+              <a:ext uri="{FF2B5EF4-FFF2-40B4-BE49-F238E27FC236}">
+                <a16:creationId xmlns:a16="http://schemas.microsoft.com/office/drawing/2014/main" id="{D3BCCF06-AD6C-4237-9D5C-7D7ABB2E942F}"/>
+              </a:ext>
+            </a:extLst>
+          </p:cNvPr>
+          <p:cNvGrpSpPr/>
+          <p:nvPr/>
+        </p:nvGrpSpPr>
+        <p:grpSpPr>
+          <a:xfrm>
+            <a:off x="981075" y="2195512"/>
+            <a:ext cx="7181850" cy="2466975"/>
+            <a:chOff x="1062558" y="2195512"/>
+            <a:chExt cx="7181850" cy="2466975"/>
+          </a:xfrm>
+        </p:grpSpPr>
+        <p:pic>
+          <p:nvPicPr>
+            <p:cNvPr id="4" name="그림 3">
+              <a:extLst>
+                <a:ext uri="{FF2B5EF4-FFF2-40B4-BE49-F238E27FC236}">
+                  <a16:creationId xmlns:a16="http://schemas.microsoft.com/office/drawing/2014/main" id="{8BF5E789-6967-487B-93CE-A4CF1EC1FC8D}"/>
+                </a:ext>
+              </a:extLst>
+            </p:cNvPr>
+            <p:cNvPicPr>
+              <a:picLocks noChangeAspect="1"/>
+            </p:cNvPicPr>
+            <p:nvPr/>
+          </p:nvPicPr>
+          <p:blipFill>
+            <a:blip r:embed="rId2"/>
+            <a:stretch>
+              <a:fillRect/>
+            </a:stretch>
+          </p:blipFill>
+          <p:spPr>
+            <a:xfrm>
+              <a:off x="1062558" y="2195512"/>
+              <a:ext cx="7181850" cy="2466975"/>
+            </a:xfrm>
+            <a:prstGeom prst="rect">
+              <a:avLst/>
+            </a:prstGeom>
+          </p:spPr>
+        </p:pic>
+        <p:sp>
+          <p:nvSpPr>
+            <p:cNvPr id="26" name="직사각형 25">
+              <a:extLst>
+                <a:ext uri="{FF2B5EF4-FFF2-40B4-BE49-F238E27FC236}">
+                  <a16:creationId xmlns:a16="http://schemas.microsoft.com/office/drawing/2014/main" id="{3DE6A7B8-550D-44DD-8C75-8387E74CF3E7}"/>
+                </a:ext>
+              </a:extLst>
+            </p:cNvPr>
+            <p:cNvSpPr/>
+            <p:nvPr/>
+          </p:nvSpPr>
+          <p:spPr>
+            <a:xfrm>
+              <a:off x="1691680" y="2420888"/>
+              <a:ext cx="6264696" cy="1800200"/>
+            </a:xfrm>
+            <a:prstGeom prst="rect">
+              <a:avLst/>
+            </a:prstGeom>
+            <a:solidFill>
+              <a:schemeClr val="bg1"/>
+            </a:solidFill>
+            <a:ln>
+              <a:noFill/>
+            </a:ln>
+          </p:spPr>
+          <p:style>
+            <a:lnRef idx="2">
+              <a:schemeClr val="accent1">
+                <a:shade val="50000"/>
+              </a:schemeClr>
+            </a:lnRef>
+            <a:fillRef idx="1">
+              <a:schemeClr val="accent1"/>
+            </a:fillRef>
+            <a:effectRef idx="0">
+              <a:schemeClr val="accent1"/>
+            </a:effectRef>
+            <a:fontRef idx="minor">
+              <a:schemeClr val="lt1"/>
+            </a:fontRef>
+          </p:style>
+          <p:txBody>
+            <a:bodyPr rtlCol="0" anchor="ctr"/>
+            <a:lstStyle/>
+            <a:p>
+              <a:pPr algn="ctr"/>
+              <a:endParaRPr lang="ko-KR" altLang="en-US"/>
+            </a:p>
+          </p:txBody>
+        </p:sp>
+        <p:grpSp>
+          <p:nvGrpSpPr>
+            <p:cNvPr id="25" name="그룹 24">
+              <a:extLst>
+                <a:ext uri="{FF2B5EF4-FFF2-40B4-BE49-F238E27FC236}">
+                  <a16:creationId xmlns:a16="http://schemas.microsoft.com/office/drawing/2014/main" id="{CE453C87-BF0E-43FE-B4C0-7C820B1601F7}"/>
+                </a:ext>
+              </a:extLst>
+            </p:cNvPr>
+            <p:cNvGrpSpPr/>
+            <p:nvPr/>
+          </p:nvGrpSpPr>
+          <p:grpSpPr>
+            <a:xfrm>
+              <a:off x="1691680" y="2852936"/>
+              <a:ext cx="6264696" cy="1080120"/>
+              <a:chOff x="1691680" y="2852936"/>
+              <a:chExt cx="6264696" cy="1080120"/>
+            </a:xfrm>
+          </p:grpSpPr>
+          <p:cxnSp>
+            <p:nvCxnSpPr>
+              <p:cNvPr id="6" name="직선 연결선 5">
+                <a:extLst>
+                  <a:ext uri="{FF2B5EF4-FFF2-40B4-BE49-F238E27FC236}">
+                    <a16:creationId xmlns:a16="http://schemas.microsoft.com/office/drawing/2014/main" id="{EB2F4A02-E1D2-468E-B900-62C5436C6DC9}"/>
+                  </a:ext>
+                </a:extLst>
+              </p:cNvPr>
+              <p:cNvCxnSpPr/>
+              <p:nvPr/>
+            </p:nvCxnSpPr>
+            <p:spPr>
+              <a:xfrm flipH="1">
+                <a:off x="6444208" y="2852936"/>
+                <a:ext cx="1512168" cy="0"/>
+              </a:xfrm>
+              <a:prstGeom prst="line">
+                <a:avLst/>
+              </a:prstGeom>
+              <a:ln w="76200">
+                <a:solidFill>
+                  <a:srgbClr val="A50021"/>
+                </a:solidFill>
+              </a:ln>
+            </p:spPr>
+            <p:style>
+              <a:lnRef idx="1">
+                <a:schemeClr val="accent1"/>
+              </a:lnRef>
+              <a:fillRef idx="0">
+                <a:schemeClr val="accent1"/>
+              </a:fillRef>
+              <a:effectRef idx="0">
+                <a:schemeClr val="accent1"/>
+              </a:effectRef>
+              <a:fontRef idx="minor">
+                <a:schemeClr val="tx1"/>
+              </a:fontRef>
+            </p:style>
+          </p:cxnSp>
+          <p:cxnSp>
+            <p:nvCxnSpPr>
+              <p:cNvPr id="7" name="직선 연결선 6">
+                <a:extLst>
+                  <a:ext uri="{FF2B5EF4-FFF2-40B4-BE49-F238E27FC236}">
+                    <a16:creationId xmlns:a16="http://schemas.microsoft.com/office/drawing/2014/main" id="{95D02CEA-7BD3-47A5-9C84-6C32A5C17D55}"/>
+                  </a:ext>
+                </a:extLst>
+              </p:cNvPr>
+              <p:cNvCxnSpPr>
+                <a:cxnSpLocks/>
+              </p:cNvCxnSpPr>
+              <p:nvPr/>
+            </p:nvCxnSpPr>
+            <p:spPr>
+              <a:xfrm flipH="1">
+                <a:off x="5580112" y="3933056"/>
+                <a:ext cx="864096" cy="0"/>
+              </a:xfrm>
+              <a:prstGeom prst="line">
+                <a:avLst/>
+              </a:prstGeom>
+              <a:ln w="76200">
+                <a:solidFill>
+                  <a:srgbClr val="A50021"/>
+                </a:solidFill>
+              </a:ln>
+            </p:spPr>
+            <p:style>
+              <a:lnRef idx="1">
+                <a:schemeClr val="accent1"/>
+              </a:lnRef>
+              <a:fillRef idx="0">
+                <a:schemeClr val="accent1"/>
+              </a:fillRef>
+              <a:effectRef idx="0">
+                <a:schemeClr val="accent1"/>
+              </a:effectRef>
+              <a:fontRef idx="minor">
+                <a:schemeClr val="tx1"/>
+              </a:fontRef>
+            </p:style>
+          </p:cxnSp>
+          <p:cxnSp>
+            <p:nvCxnSpPr>
+              <p:cNvPr id="10" name="직선 연결선 9">
+                <a:extLst>
+                  <a:ext uri="{FF2B5EF4-FFF2-40B4-BE49-F238E27FC236}">
+                    <a16:creationId xmlns:a16="http://schemas.microsoft.com/office/drawing/2014/main" id="{BE4943F7-6794-4044-8364-BBCAD3250276}"/>
+                  </a:ext>
+                </a:extLst>
+              </p:cNvPr>
+              <p:cNvCxnSpPr>
+                <a:cxnSpLocks/>
+              </p:cNvCxnSpPr>
+              <p:nvPr/>
+            </p:nvCxnSpPr>
+            <p:spPr>
+              <a:xfrm flipH="1">
+                <a:off x="4788024" y="2867135"/>
+                <a:ext cx="792088" cy="0"/>
+              </a:xfrm>
+              <a:prstGeom prst="line">
+                <a:avLst/>
+              </a:prstGeom>
+              <a:ln w="76200">
+                <a:solidFill>
+                  <a:srgbClr val="A50021"/>
+                </a:solidFill>
+              </a:ln>
+            </p:spPr>
+            <p:style>
+              <a:lnRef idx="1">
+                <a:schemeClr val="accent1"/>
+              </a:lnRef>
+              <a:fillRef idx="0">
+                <a:schemeClr val="accent1"/>
+              </a:fillRef>
+              <a:effectRef idx="0">
+                <a:schemeClr val="accent1"/>
+              </a:effectRef>
+              <a:fontRef idx="minor">
+                <a:schemeClr val="tx1"/>
+              </a:fontRef>
+            </p:style>
+          </p:cxnSp>
+          <p:cxnSp>
+            <p:nvCxnSpPr>
+              <p:cNvPr id="12" name="직선 연결선 11">
+                <a:extLst>
+                  <a:ext uri="{FF2B5EF4-FFF2-40B4-BE49-F238E27FC236}">
+                    <a16:creationId xmlns:a16="http://schemas.microsoft.com/office/drawing/2014/main" id="{0F3D2942-2D4C-4940-AC55-560C31E95C4E}"/>
+                  </a:ext>
+                </a:extLst>
+              </p:cNvPr>
+              <p:cNvCxnSpPr>
+                <a:cxnSpLocks/>
+              </p:cNvCxnSpPr>
+              <p:nvPr/>
+            </p:nvCxnSpPr>
+            <p:spPr>
+              <a:xfrm flipH="1">
+                <a:off x="3995936" y="3933056"/>
+                <a:ext cx="792088" cy="0"/>
+              </a:xfrm>
+              <a:prstGeom prst="line">
+                <a:avLst/>
+              </a:prstGeom>
+              <a:ln w="76200">
+                <a:solidFill>
+                  <a:srgbClr val="A50021"/>
+                </a:solidFill>
+              </a:ln>
+            </p:spPr>
+            <p:style>
+              <a:lnRef idx="1">
+                <a:schemeClr val="accent1"/>
+              </a:lnRef>
+              <a:fillRef idx="0">
+                <a:schemeClr val="accent1"/>
+              </a:fillRef>
+              <a:effectRef idx="0">
+                <a:schemeClr val="accent1"/>
+              </a:effectRef>
+              <a:fontRef idx="minor">
+                <a:schemeClr val="tx1"/>
+              </a:fontRef>
+            </p:style>
+          </p:cxnSp>
+          <p:cxnSp>
+            <p:nvCxnSpPr>
+              <p:cNvPr id="13" name="직선 연결선 12">
+                <a:extLst>
+                  <a:ext uri="{FF2B5EF4-FFF2-40B4-BE49-F238E27FC236}">
+                    <a16:creationId xmlns:a16="http://schemas.microsoft.com/office/drawing/2014/main" id="{8E1CE489-A11C-47AF-875E-B246E4143E97}"/>
+                  </a:ext>
+                </a:extLst>
+              </p:cNvPr>
+              <p:cNvCxnSpPr>
+                <a:cxnSpLocks/>
+              </p:cNvCxnSpPr>
+              <p:nvPr/>
+            </p:nvCxnSpPr>
+            <p:spPr>
+              <a:xfrm flipH="1">
+                <a:off x="3275856" y="2867135"/>
+                <a:ext cx="720080" cy="0"/>
+              </a:xfrm>
+              <a:prstGeom prst="line">
+                <a:avLst/>
+              </a:prstGeom>
+              <a:ln w="76200">
+                <a:solidFill>
+                  <a:srgbClr val="A50021"/>
+                </a:solidFill>
+              </a:ln>
+            </p:spPr>
+            <p:style>
+              <a:lnRef idx="1">
+                <a:schemeClr val="accent1"/>
+              </a:lnRef>
+              <a:fillRef idx="0">
+                <a:schemeClr val="accent1"/>
+              </a:fillRef>
+              <a:effectRef idx="0">
+                <a:schemeClr val="accent1"/>
+              </a:effectRef>
+              <a:fontRef idx="minor">
+                <a:schemeClr val="tx1"/>
+              </a:fontRef>
+            </p:style>
+          </p:cxnSp>
+          <p:cxnSp>
+            <p:nvCxnSpPr>
+              <p:cNvPr id="15" name="직선 연결선 14">
+                <a:extLst>
+                  <a:ext uri="{FF2B5EF4-FFF2-40B4-BE49-F238E27FC236}">
+                    <a16:creationId xmlns:a16="http://schemas.microsoft.com/office/drawing/2014/main" id="{DC96501D-559B-43B0-8455-3C1405F949D2}"/>
+                  </a:ext>
+                </a:extLst>
+              </p:cNvPr>
+              <p:cNvCxnSpPr>
+                <a:cxnSpLocks/>
+              </p:cNvCxnSpPr>
+              <p:nvPr/>
+            </p:nvCxnSpPr>
+            <p:spPr>
+              <a:xfrm flipH="1">
+                <a:off x="1691680" y="3933056"/>
+                <a:ext cx="1584176" cy="0"/>
+              </a:xfrm>
+              <a:prstGeom prst="line">
+                <a:avLst/>
+              </a:prstGeom>
+              <a:ln w="76200">
+                <a:solidFill>
+                  <a:srgbClr val="A50021"/>
+                </a:solidFill>
+              </a:ln>
+            </p:spPr>
+            <p:style>
+              <a:lnRef idx="1">
+                <a:schemeClr val="accent1"/>
+              </a:lnRef>
+              <a:fillRef idx="0">
+                <a:schemeClr val="accent1"/>
+              </a:fillRef>
+              <a:effectRef idx="0">
+                <a:schemeClr val="accent1"/>
+              </a:effectRef>
+              <a:fontRef idx="minor">
+                <a:schemeClr val="tx1"/>
+              </a:fontRef>
+            </p:style>
+          </p:cxnSp>
+          <p:cxnSp>
+            <p:nvCxnSpPr>
+              <p:cNvPr id="17" name="직선 연결선 16">
+                <a:extLst>
+                  <a:ext uri="{FF2B5EF4-FFF2-40B4-BE49-F238E27FC236}">
+                    <a16:creationId xmlns:a16="http://schemas.microsoft.com/office/drawing/2014/main" id="{EA4E8D9F-88F6-4966-8B5F-DB7F828453E3}"/>
+                  </a:ext>
+                </a:extLst>
+              </p:cNvPr>
+              <p:cNvCxnSpPr>
+                <a:cxnSpLocks/>
+              </p:cNvCxnSpPr>
+              <p:nvPr/>
+            </p:nvCxnSpPr>
+            <p:spPr>
+              <a:xfrm flipV="1">
+                <a:off x="3275856" y="2852936"/>
+                <a:ext cx="0" cy="1080120"/>
+              </a:xfrm>
+              <a:prstGeom prst="line">
+                <a:avLst/>
+              </a:prstGeom>
+              <a:ln w="76200">
+                <a:solidFill>
+                  <a:srgbClr val="A50021"/>
+                </a:solidFill>
+              </a:ln>
+            </p:spPr>
+            <p:style>
+              <a:lnRef idx="1">
+                <a:schemeClr val="accent1"/>
+              </a:lnRef>
+              <a:fillRef idx="0">
+                <a:schemeClr val="accent1"/>
+              </a:fillRef>
+              <a:effectRef idx="0">
+                <a:schemeClr val="accent1"/>
+              </a:effectRef>
+              <a:fontRef idx="minor">
+                <a:schemeClr val="tx1"/>
+              </a:fontRef>
+            </p:style>
+          </p:cxnSp>
+          <p:cxnSp>
+            <p:nvCxnSpPr>
+              <p:cNvPr id="20" name="직선 연결선 19">
+                <a:extLst>
+                  <a:ext uri="{FF2B5EF4-FFF2-40B4-BE49-F238E27FC236}">
+                    <a16:creationId xmlns:a16="http://schemas.microsoft.com/office/drawing/2014/main" id="{EA63D22B-ADDE-4E57-96D9-2A5998B7F3F1}"/>
+                  </a:ext>
+                </a:extLst>
+              </p:cNvPr>
+              <p:cNvCxnSpPr>
+                <a:cxnSpLocks/>
+              </p:cNvCxnSpPr>
+              <p:nvPr/>
+            </p:nvCxnSpPr>
+            <p:spPr>
+              <a:xfrm flipV="1">
+                <a:off x="3995936" y="2852936"/>
+                <a:ext cx="0" cy="1080120"/>
+              </a:xfrm>
+              <a:prstGeom prst="line">
+                <a:avLst/>
+              </a:prstGeom>
+              <a:ln w="76200">
+                <a:solidFill>
+                  <a:srgbClr val="A50021"/>
+                </a:solidFill>
+              </a:ln>
+            </p:spPr>
+            <p:style>
+              <a:lnRef idx="1">
+                <a:schemeClr val="accent1"/>
+              </a:lnRef>
+              <a:fillRef idx="0">
+                <a:schemeClr val="accent1"/>
+              </a:fillRef>
+              <a:effectRef idx="0">
+                <a:schemeClr val="accent1"/>
+              </a:effectRef>
+              <a:fontRef idx="minor">
+                <a:schemeClr val="tx1"/>
+              </a:fontRef>
+            </p:style>
+          </p:cxnSp>
+          <p:cxnSp>
+            <p:nvCxnSpPr>
+              <p:cNvPr id="21" name="직선 연결선 20">
+                <a:extLst>
+                  <a:ext uri="{FF2B5EF4-FFF2-40B4-BE49-F238E27FC236}">
+                    <a16:creationId xmlns:a16="http://schemas.microsoft.com/office/drawing/2014/main" id="{F5B59ACC-A814-42EF-B721-E548386A0BA9}"/>
+                  </a:ext>
+                </a:extLst>
+              </p:cNvPr>
+              <p:cNvCxnSpPr>
+                <a:cxnSpLocks/>
+              </p:cNvCxnSpPr>
+              <p:nvPr/>
+            </p:nvCxnSpPr>
+            <p:spPr>
+              <a:xfrm flipV="1">
+                <a:off x="4788024" y="2852936"/>
+                <a:ext cx="0" cy="1080120"/>
+              </a:xfrm>
+              <a:prstGeom prst="line">
+                <a:avLst/>
+              </a:prstGeom>
+              <a:ln w="76200">
+                <a:solidFill>
+                  <a:srgbClr val="A50021"/>
+                </a:solidFill>
+              </a:ln>
+            </p:spPr>
+            <p:style>
+              <a:lnRef idx="1">
+                <a:schemeClr val="accent1"/>
+              </a:lnRef>
+              <a:fillRef idx="0">
+                <a:schemeClr val="accent1"/>
+              </a:fillRef>
+              <a:effectRef idx="0">
+                <a:schemeClr val="accent1"/>
+              </a:effectRef>
+              <a:fontRef idx="minor">
+                <a:schemeClr val="tx1"/>
+              </a:fontRef>
+            </p:style>
+          </p:cxnSp>
+          <p:cxnSp>
+            <p:nvCxnSpPr>
+              <p:cNvPr id="22" name="직선 연결선 21">
+                <a:extLst>
+                  <a:ext uri="{FF2B5EF4-FFF2-40B4-BE49-F238E27FC236}">
+                    <a16:creationId xmlns:a16="http://schemas.microsoft.com/office/drawing/2014/main" id="{FE1D49D2-3C5F-4BE0-A4F3-5ADF78739D68}"/>
+                  </a:ext>
+                </a:extLst>
+              </p:cNvPr>
+              <p:cNvCxnSpPr>
+                <a:cxnSpLocks/>
+              </p:cNvCxnSpPr>
+              <p:nvPr/>
+            </p:nvCxnSpPr>
+            <p:spPr>
+              <a:xfrm flipV="1">
+                <a:off x="5593499" y="2852936"/>
+                <a:ext cx="0" cy="1080120"/>
+              </a:xfrm>
+              <a:prstGeom prst="line">
+                <a:avLst/>
+              </a:prstGeom>
+              <a:ln w="76200">
+                <a:solidFill>
+                  <a:srgbClr val="A50021"/>
+                </a:solidFill>
+              </a:ln>
+            </p:spPr>
+            <p:style>
+              <a:lnRef idx="1">
+                <a:schemeClr val="accent1"/>
+              </a:lnRef>
+              <a:fillRef idx="0">
+                <a:schemeClr val="accent1"/>
+              </a:fillRef>
+              <a:effectRef idx="0">
+                <a:schemeClr val="accent1"/>
+              </a:effectRef>
+              <a:fontRef idx="minor">
+                <a:schemeClr val="tx1"/>
+              </a:fontRef>
+            </p:style>
+          </p:cxnSp>
+          <p:cxnSp>
+            <p:nvCxnSpPr>
+              <p:cNvPr id="23" name="직선 연결선 22">
+                <a:extLst>
+                  <a:ext uri="{FF2B5EF4-FFF2-40B4-BE49-F238E27FC236}">
+                    <a16:creationId xmlns:a16="http://schemas.microsoft.com/office/drawing/2014/main" id="{F327C224-679B-4FE1-A308-C09D22959808}"/>
+                  </a:ext>
+                </a:extLst>
+              </p:cNvPr>
+              <p:cNvCxnSpPr>
+                <a:cxnSpLocks/>
+              </p:cNvCxnSpPr>
+              <p:nvPr/>
+            </p:nvCxnSpPr>
+            <p:spPr>
+              <a:xfrm flipV="1">
+                <a:off x="6444208" y="2852936"/>
+                <a:ext cx="0" cy="1080120"/>
+              </a:xfrm>
+              <a:prstGeom prst="line">
+                <a:avLst/>
+              </a:prstGeom>
+              <a:ln w="76200">
+                <a:solidFill>
+                  <a:srgbClr val="A50021"/>
+                </a:solidFill>
+              </a:ln>
+            </p:spPr>
+            <p:style>
+              <a:lnRef idx="1">
+                <a:schemeClr val="accent1"/>
+              </a:lnRef>
+              <a:fillRef idx="0">
+                <a:schemeClr val="accent1"/>
+              </a:fillRef>
+              <a:effectRef idx="0">
+                <a:schemeClr val="accent1"/>
+              </a:effectRef>
+              <a:fontRef idx="minor">
+                <a:schemeClr val="tx1"/>
+              </a:fontRef>
+            </p:style>
+          </p:cxnSp>
+        </p:grpSp>
+        <p:sp>
+          <p:nvSpPr>
+            <p:cNvPr id="24" name="직사각형 23">
+              <a:extLst>
+                <a:ext uri="{FF2B5EF4-FFF2-40B4-BE49-F238E27FC236}">
+                  <a16:creationId xmlns:a16="http://schemas.microsoft.com/office/drawing/2014/main" id="{8A8D003A-3A89-4E5F-A5CE-D6C7E76E4623}"/>
+                </a:ext>
+              </a:extLst>
+            </p:cNvPr>
+            <p:cNvSpPr/>
+            <p:nvPr/>
+          </p:nvSpPr>
+          <p:spPr>
+            <a:xfrm>
+              <a:off x="1146194" y="2348879"/>
+              <a:ext cx="490642" cy="2016222"/>
+            </a:xfrm>
+            <a:prstGeom prst="rect">
+              <a:avLst/>
+            </a:prstGeom>
+            <a:ln>
+              <a:solidFill>
+                <a:schemeClr val="bg1"/>
+              </a:solidFill>
+            </a:ln>
+          </p:spPr>
+          <p:style>
+            <a:lnRef idx="2">
+              <a:schemeClr val="accent3">
+                <a:shade val="50000"/>
+              </a:schemeClr>
+            </a:lnRef>
+            <a:fillRef idx="1">
+              <a:schemeClr val="accent3"/>
+            </a:fillRef>
+            <a:effectRef idx="0">
+              <a:schemeClr val="accent3"/>
+            </a:effectRef>
+            <a:fontRef idx="minor">
+              <a:schemeClr val="lt1"/>
+            </a:fontRef>
+          </p:style>
+          <p:txBody>
+            <a:bodyPr rtlCol="0" anchor="ctr"/>
+            <a:lstStyle/>
+            <a:p>
+              <a:pPr algn="ctr"/>
+              <a:endParaRPr lang="ko-KR" altLang="en-US"/>
+            </a:p>
+          </p:txBody>
+        </p:sp>
+        <p:sp>
+          <p:nvSpPr>
+            <p:cNvPr id="27" name="TextBox 26">
+              <a:extLst>
+                <a:ext uri="{FF2B5EF4-FFF2-40B4-BE49-F238E27FC236}">
+                  <a16:creationId xmlns:a16="http://schemas.microsoft.com/office/drawing/2014/main" id="{F03C7C22-FCCC-4712-B13E-3947199C11B5}"/>
+                </a:ext>
+              </a:extLst>
+            </p:cNvPr>
+            <p:cNvSpPr txBox="1"/>
+            <p:nvPr/>
+          </p:nvSpPr>
+          <p:spPr>
+            <a:xfrm>
+              <a:off x="1331640" y="3789040"/>
+              <a:ext cx="216024" cy="307777"/>
+            </a:xfrm>
+            <a:prstGeom prst="rect">
+              <a:avLst/>
+            </a:prstGeom>
+            <a:noFill/>
+          </p:spPr>
+          <p:txBody>
+            <a:bodyPr wrap="square" rtlCol="0">
+              <a:spAutoFit/>
+            </a:bodyPr>
+            <a:lstStyle/>
+            <a:p>
+              <a:r>
+                <a:rPr lang="en-US" altLang="ko-KR" dirty="0"/>
+                <a:t>0</a:t>
+              </a:r>
+              <a:endParaRPr lang="ko-KR" altLang="en-US" dirty="0"/>
+            </a:p>
+          </p:txBody>
+        </p:sp>
+        <p:sp>
+          <p:nvSpPr>
+            <p:cNvPr id="28" name="TextBox 27">
+              <a:extLst>
+                <a:ext uri="{FF2B5EF4-FFF2-40B4-BE49-F238E27FC236}">
+                  <a16:creationId xmlns:a16="http://schemas.microsoft.com/office/drawing/2014/main" id="{C3A519E8-E2C4-44C4-8D33-78432B1758E7}"/>
+                </a:ext>
+              </a:extLst>
+            </p:cNvPr>
+            <p:cNvSpPr txBox="1"/>
+            <p:nvPr/>
+          </p:nvSpPr>
+          <p:spPr>
+            <a:xfrm>
+              <a:off x="1331640" y="2699047"/>
+              <a:ext cx="216024" cy="307777"/>
+            </a:xfrm>
+            <a:prstGeom prst="rect">
+              <a:avLst/>
+            </a:prstGeom>
+            <a:noFill/>
+          </p:spPr>
+          <p:txBody>
+            <a:bodyPr wrap="square" rtlCol="0">
+              <a:spAutoFit/>
+            </a:bodyPr>
+            <a:lstStyle/>
+            <a:p>
+              <a:r>
+                <a:rPr lang="en-US" altLang="ko-KR" dirty="0"/>
+                <a:t>1</a:t>
+              </a:r>
+              <a:endParaRPr lang="ko-KR" altLang="en-US" dirty="0"/>
+            </a:p>
+          </p:txBody>
+        </p:sp>
+      </p:grpSp>
+    </p:spTree>
+    <p:extLst>
+      <p:ext uri="{BB962C8B-B14F-4D97-AF65-F5344CB8AC3E}">
+        <p14:creationId xmlns:p14="http://schemas.microsoft.com/office/powerpoint/2010/main" val="1388584730"/>
+      </p:ext>
+    </p:extLst>
+  </p:cSld>
+  <p:clrMapOvr>
+    <a:masterClrMapping/>
+  </p:clrMapOvr>
+</p:sld>
+</file>
+
+<file path=ppt/slides/slide3.xml><?xml version="1.0" encoding="utf-8"?>
+<p:sld xmlns:a="http://schemas.openxmlformats.org/drawingml/2006/main" xmlns:r="http://schemas.openxmlformats.org/officeDocument/2006/relationships" xmlns:p="http://schemas.openxmlformats.org/presentationml/2006/main">
+  <p:cSld>
+    <p:spTree>
+      <p:nvGrpSpPr>
+        <p:cNvPr id="1" name=""/>
+        <p:cNvGrpSpPr/>
+        <p:nvPr/>
+      </p:nvGrpSpPr>
+      <p:grpSpPr>
+        <a:xfrm>
+          <a:off x="0" y="0"/>
+          <a:ext cx="0" cy="0"/>
+          <a:chOff x="0" y="0"/>
+          <a:chExt cx="0" cy="0"/>
+        </a:xfrm>
+      </p:grpSpPr>
+      <p:sp>
+        <p:nvSpPr>
+          <p:cNvPr id="2" name="Title 1"/>
+          <p:cNvSpPr>
+            <a:spLocks noGrp="1"/>
+          </p:cNvSpPr>
+          <p:nvPr>
+            <p:ph type="title"/>
+          </p:nvPr>
+        </p:nvSpPr>
+        <p:spPr/>
+        <p:txBody>
+          <a:bodyPr/>
+          <a:lstStyle/>
+          <a:p>
+            <a:r>
+              <a:rPr lang="en-US" altLang="ko-KR" dirty="0"/>
+              <a:t>2.</a:t>
+            </a:r>
+            <a:endParaRPr lang="ko-KR" altLang="en-US" dirty="0"/>
           </a:p>
         </p:txBody>
       </p:sp>
@@ -2571,14 +3351,209 @@
           <a:bodyPr/>
           <a:lstStyle/>
           <a:p>
-            <a:endParaRPr lang="ko-KR" altLang="en-US"/>
+            <a:endParaRPr lang="ko-KR" altLang="en-US" dirty="0"/>
           </a:p>
         </p:txBody>
       </p:sp>
+      <p:grpSp>
+        <p:nvGrpSpPr>
+          <p:cNvPr id="12" name="그룹 11">
+            <a:extLst>
+              <a:ext uri="{FF2B5EF4-FFF2-40B4-BE49-F238E27FC236}">
+                <a16:creationId xmlns:a16="http://schemas.microsoft.com/office/drawing/2014/main" id="{FF338169-01F6-4185-A485-499315A777F7}"/>
+              </a:ext>
+            </a:extLst>
+          </p:cNvPr>
+          <p:cNvGrpSpPr/>
+          <p:nvPr/>
+        </p:nvGrpSpPr>
+        <p:grpSpPr>
+          <a:xfrm>
+            <a:off x="1913199" y="2786061"/>
+            <a:ext cx="5292201" cy="1285877"/>
+            <a:chOff x="1368030" y="2996949"/>
+            <a:chExt cx="5292201" cy="1285877"/>
+          </a:xfrm>
+        </p:grpSpPr>
+        <p:pic>
+          <p:nvPicPr>
+            <p:cNvPr id="8" name="그림 7">
+              <a:extLst>
+                <a:ext uri="{FF2B5EF4-FFF2-40B4-BE49-F238E27FC236}">
+                  <a16:creationId xmlns:a16="http://schemas.microsoft.com/office/drawing/2014/main" id="{63E6F5DD-C386-45F2-BADC-8A89A5DDB4A2}"/>
+                </a:ext>
+              </a:extLst>
+            </p:cNvPr>
+            <p:cNvPicPr>
+              <a:picLocks noChangeAspect="1"/>
+            </p:cNvPicPr>
+            <p:nvPr/>
+          </p:nvPicPr>
+          <p:blipFill rotWithShape="1">
+            <a:blip r:embed="rId2"/>
+            <a:srcRect l="35736"/>
+            <a:stretch/>
+          </p:blipFill>
+          <p:spPr>
+            <a:xfrm>
+              <a:off x="1979712" y="2996949"/>
+              <a:ext cx="648841" cy="1285875"/>
+            </a:xfrm>
+            <a:prstGeom prst="rect">
+              <a:avLst/>
+            </a:prstGeom>
+          </p:spPr>
+        </p:pic>
+        <p:pic>
+          <p:nvPicPr>
+            <p:cNvPr id="9" name="그림 8">
+              <a:extLst>
+                <a:ext uri="{FF2B5EF4-FFF2-40B4-BE49-F238E27FC236}">
+                  <a16:creationId xmlns:a16="http://schemas.microsoft.com/office/drawing/2014/main" id="{83B97DD4-F4DA-43E1-B617-255F521343C8}"/>
+                </a:ext>
+              </a:extLst>
+            </p:cNvPr>
+            <p:cNvPicPr>
+              <a:picLocks noChangeAspect="1"/>
+            </p:cNvPicPr>
+            <p:nvPr/>
+          </p:nvPicPr>
+          <p:blipFill rotWithShape="1">
+            <a:blip r:embed="rId2"/>
+            <a:srcRect l="35736"/>
+            <a:stretch/>
+          </p:blipFill>
+          <p:spPr>
+            <a:xfrm>
+              <a:off x="4895651" y="2996951"/>
+              <a:ext cx="648841" cy="1285875"/>
+            </a:xfrm>
+            <a:prstGeom prst="rect">
+              <a:avLst/>
+            </a:prstGeom>
+          </p:spPr>
+        </p:pic>
+        <p:pic>
+          <p:nvPicPr>
+            <p:cNvPr id="11" name="그림 10">
+              <a:extLst>
+                <a:ext uri="{FF2B5EF4-FFF2-40B4-BE49-F238E27FC236}">
+                  <a16:creationId xmlns:a16="http://schemas.microsoft.com/office/drawing/2014/main" id="{D07762FF-63AB-4225-B57E-C9DEC8923C5D}"/>
+                </a:ext>
+              </a:extLst>
+            </p:cNvPr>
+            <p:cNvPicPr>
+              <a:picLocks noChangeAspect="1"/>
+            </p:cNvPicPr>
+            <p:nvPr/>
+          </p:nvPicPr>
+          <p:blipFill rotWithShape="1">
+            <a:blip r:embed="rId3"/>
+            <a:srcRect l="28258" r="3456"/>
+            <a:stretch/>
+          </p:blipFill>
+          <p:spPr>
+            <a:xfrm>
+              <a:off x="2592164" y="3035051"/>
+              <a:ext cx="1152128" cy="1133475"/>
+            </a:xfrm>
+            <a:prstGeom prst="rect">
+              <a:avLst/>
+            </a:prstGeom>
+          </p:spPr>
+        </p:pic>
+        <p:pic>
+          <p:nvPicPr>
+            <p:cNvPr id="5" name="그림 4">
+              <a:extLst>
+                <a:ext uri="{FF2B5EF4-FFF2-40B4-BE49-F238E27FC236}">
+                  <a16:creationId xmlns:a16="http://schemas.microsoft.com/office/drawing/2014/main" id="{6B75C406-F45B-44D0-9D29-87FFBE55F8BC}"/>
+                </a:ext>
+              </a:extLst>
+            </p:cNvPr>
+            <p:cNvPicPr>
+              <a:picLocks noChangeAspect="1"/>
+            </p:cNvPicPr>
+            <p:nvPr/>
+          </p:nvPicPr>
+          <p:blipFill rotWithShape="1">
+            <a:blip r:embed="rId3"/>
+            <a:srcRect l="28258" r="3456"/>
+            <a:stretch/>
+          </p:blipFill>
+          <p:spPr>
+            <a:xfrm>
+              <a:off x="5508103" y="3035051"/>
+              <a:ext cx="1152128" cy="1133475"/>
+            </a:xfrm>
+            <a:prstGeom prst="rect">
+              <a:avLst/>
+            </a:prstGeom>
+          </p:spPr>
+        </p:pic>
+        <p:pic>
+          <p:nvPicPr>
+            <p:cNvPr id="10" name="그림 9">
+              <a:extLst>
+                <a:ext uri="{FF2B5EF4-FFF2-40B4-BE49-F238E27FC236}">
+                  <a16:creationId xmlns:a16="http://schemas.microsoft.com/office/drawing/2014/main" id="{720B1F1D-D668-4EA2-B0D9-5EE26E10E2F3}"/>
+                </a:ext>
+              </a:extLst>
+            </p:cNvPr>
+            <p:cNvPicPr>
+              <a:picLocks noChangeAspect="1"/>
+            </p:cNvPicPr>
+            <p:nvPr/>
+          </p:nvPicPr>
+          <p:blipFill rotWithShape="1">
+            <a:blip r:embed="rId3"/>
+            <a:srcRect l="28258" r="3456"/>
+            <a:stretch/>
+          </p:blipFill>
+          <p:spPr>
+            <a:xfrm>
+              <a:off x="3744293" y="3035051"/>
+              <a:ext cx="1152128" cy="1133475"/>
+            </a:xfrm>
+            <a:prstGeom prst="rect">
+              <a:avLst/>
+            </a:prstGeom>
+          </p:spPr>
+        </p:pic>
+        <p:pic>
+          <p:nvPicPr>
+            <p:cNvPr id="4" name="그림 3">
+              <a:extLst>
+                <a:ext uri="{FF2B5EF4-FFF2-40B4-BE49-F238E27FC236}">
+                  <a16:creationId xmlns:a16="http://schemas.microsoft.com/office/drawing/2014/main" id="{A39FB12C-3F5E-4395-B54F-A1F2363E9421}"/>
+                </a:ext>
+              </a:extLst>
+            </p:cNvPr>
+            <p:cNvPicPr>
+              <a:picLocks noChangeAspect="1"/>
+            </p:cNvPicPr>
+            <p:nvPr/>
+          </p:nvPicPr>
+          <p:blipFill rotWithShape="1">
+            <a:blip r:embed="rId2"/>
+            <a:srcRect l="35736"/>
+            <a:stretch/>
+          </p:blipFill>
+          <p:spPr>
+            <a:xfrm>
+              <a:off x="1368030" y="2996950"/>
+              <a:ext cx="648841" cy="1285875"/>
+            </a:xfrm>
+            <a:prstGeom prst="rect">
+              <a:avLst/>
+            </a:prstGeom>
+          </p:spPr>
+        </p:pic>
+      </p:grpSp>
     </p:spTree>
     <p:extLst>
       <p:ext uri="{BB962C8B-B14F-4D97-AF65-F5344CB8AC3E}">
-        <p14:creationId xmlns:p14="http://schemas.microsoft.com/office/powerpoint/2010/main" val="1388584730"/>
+        <p14:creationId xmlns:p14="http://schemas.microsoft.com/office/powerpoint/2010/main" val="3439371040"/>
       </p:ext>
     </p:extLst>
   </p:cSld>
